--- a/design patterns.pptx
+++ b/design patterns.pptx
@@ -5,7 +5,7 @@
     <p:sldMasterId id="2147483660" r:id="rId1"/>
   </p:sldMasterIdLst>
   <p:notesMasterIdLst>
-    <p:notesMasterId r:id="rId19"/>
+    <p:notesMasterId r:id="rId24"/>
   </p:notesMasterIdLst>
   <p:sldIdLst>
     <p:sldId id="256" r:id="rId2"/>
@@ -25,6 +25,11 @@
     <p:sldId id="270" r:id="rId16"/>
     <p:sldId id="271" r:id="rId17"/>
     <p:sldId id="272" r:id="rId18"/>
+    <p:sldId id="273" r:id="rId19"/>
+    <p:sldId id="274" r:id="rId20"/>
+    <p:sldId id="275" r:id="rId21"/>
+    <p:sldId id="276" r:id="rId22"/>
+    <p:sldId id="277" r:id="rId23"/>
   </p:sldIdLst>
   <p:sldSz cx="12192000" cy="6858000"/>
   <p:notesSz cx="6858000" cy="9144000"/>
@@ -123,6 +128,11 @@
       </a:defRPr>
     </a:lvl9pPr>
   </p:defaultTextStyle>
+  <p:extLst>
+    <p:ext uri="{EFAFB233-063F-42B5-8137-9DF3F51BA10A}">
+      <p15:sldGuideLst xmlns:p15="http://schemas.microsoft.com/office/powerpoint/2012/main"/>
+    </p:ext>
+  </p:extLst>
 </p:presentation>
 </file>
 
@@ -5468,6 +5478,262 @@
 </p:sld>
 </file>
 
+<file path=ppt/slides/slide18.xml><?xml version="1.0" encoding="utf-8"?>
+<p:sld xmlns:a="http://schemas.openxmlformats.org/drawingml/2006/main" xmlns:r="http://schemas.openxmlformats.org/officeDocument/2006/relationships" xmlns:p="http://schemas.openxmlformats.org/presentationml/2006/main">
+  <p:cSld>
+    <p:spTree>
+      <p:nvGrpSpPr>
+        <p:cNvPr id="1" name=""/>
+        <p:cNvGrpSpPr/>
+        <p:nvPr/>
+      </p:nvGrpSpPr>
+      <p:grpSpPr>
+        <a:xfrm>
+          <a:off x="0" y="0"/>
+          <a:ext cx="0" cy="0"/>
+          <a:chOff x="0" y="0"/>
+          <a:chExt cx="0" cy="0"/>
+        </a:xfrm>
+      </p:grpSpPr>
+      <p:sp>
+        <p:nvSpPr>
+          <p:cNvPr id="2" name="Başlık 1">
+            <a:extLst>
+              <a:ext uri="{FF2B5EF4-FFF2-40B4-BE49-F238E27FC236}">
+                <a16:creationId xmlns:a16="http://schemas.microsoft.com/office/drawing/2014/main" id="{10AF4B7E-AB7B-389F-AD55-2DC2EBFCE752}"/>
+              </a:ext>
+            </a:extLst>
+          </p:cNvPr>
+          <p:cNvSpPr>
+            <a:spLocks noGrp="1"/>
+          </p:cNvSpPr>
+          <p:nvPr>
+            <p:ph type="title"/>
+          </p:nvPr>
+        </p:nvSpPr>
+        <p:spPr/>
+        <p:txBody>
+          <a:bodyPr/>
+          <a:lstStyle/>
+          <a:p>
+            <a:br>
+              <a:rPr lang="tr-TR" dirty="0"/>
+            </a:br>
+            <a:r>
+              <a:rPr lang="tr-TR" dirty="0" err="1"/>
+              <a:t>sturctural</a:t>
+            </a:r>
+            <a:endParaRPr lang="tr-TR" dirty="0"/>
+          </a:p>
+        </p:txBody>
+      </p:sp>
+      <p:sp>
+        <p:nvSpPr>
+          <p:cNvPr id="3" name="İçerik Yer Tutucusu 2">
+            <a:extLst>
+              <a:ext uri="{FF2B5EF4-FFF2-40B4-BE49-F238E27FC236}">
+                <a16:creationId xmlns:a16="http://schemas.microsoft.com/office/drawing/2014/main" id="{343C06F9-63EB-2E97-9234-459F2A59B52D}"/>
+              </a:ext>
+            </a:extLst>
+          </p:cNvPr>
+          <p:cNvSpPr>
+            <a:spLocks noGrp="1"/>
+          </p:cNvSpPr>
+          <p:nvPr>
+            <p:ph idx="1"/>
+          </p:nvPr>
+        </p:nvSpPr>
+        <p:spPr/>
+        <p:txBody>
+          <a:bodyPr/>
+          <a:lstStyle/>
+          <a:p>
+            <a:r>
+              <a:rPr lang="tr-TR" dirty="0">
+                <a:solidFill>
+                  <a:srgbClr val="555555"/>
+                </a:solidFill>
+                <a:latin typeface="Rubik"/>
+              </a:rPr>
+              <a:t>N</a:t>
+            </a:r>
+            <a:r>
+              <a:rPr lang="tr-TR" b="0" i="0" dirty="0">
+                <a:solidFill>
+                  <a:srgbClr val="555555"/>
+                </a:solidFill>
+                <a:effectLst/>
+                <a:latin typeface="Rubik"/>
+              </a:rPr>
+              <a:t>esnelerin ve sınıfların daha büyük yapılara nasıl monte edileceği ile ilgilenir.</a:t>
+            </a:r>
+            <a:endParaRPr lang="tr-TR" dirty="0"/>
+          </a:p>
+        </p:txBody>
+      </p:sp>
+    </p:spTree>
+    <p:extLst>
+      <p:ext uri="{BB962C8B-B14F-4D97-AF65-F5344CB8AC3E}">
+        <p14:creationId xmlns:p14="http://schemas.microsoft.com/office/powerpoint/2010/main" val="824649943"/>
+      </p:ext>
+    </p:extLst>
+  </p:cSld>
+  <p:clrMapOvr>
+    <a:masterClrMapping/>
+  </p:clrMapOvr>
+</p:sld>
+</file>
+
+<file path=ppt/slides/slide19.xml><?xml version="1.0" encoding="utf-8"?>
+<p:sld xmlns:a="http://schemas.openxmlformats.org/drawingml/2006/main" xmlns:r="http://schemas.openxmlformats.org/officeDocument/2006/relationships" xmlns:p="http://schemas.openxmlformats.org/presentationml/2006/main">
+  <p:cSld>
+    <p:spTree>
+      <p:nvGrpSpPr>
+        <p:cNvPr id="1" name=""/>
+        <p:cNvGrpSpPr/>
+        <p:nvPr/>
+      </p:nvGrpSpPr>
+      <p:grpSpPr>
+        <a:xfrm>
+          <a:off x="0" y="0"/>
+          <a:ext cx="0" cy="0"/>
+          <a:chOff x="0" y="0"/>
+          <a:chExt cx="0" cy="0"/>
+        </a:xfrm>
+      </p:grpSpPr>
+      <p:sp>
+        <p:nvSpPr>
+          <p:cNvPr id="2" name="Başlık 1">
+            <a:extLst>
+              <a:ext uri="{FF2B5EF4-FFF2-40B4-BE49-F238E27FC236}">
+                <a16:creationId xmlns:a16="http://schemas.microsoft.com/office/drawing/2014/main" id="{D4AAB4D5-4303-24C2-A7C7-DF637B4BB725}"/>
+              </a:ext>
+            </a:extLst>
+          </p:cNvPr>
+          <p:cNvSpPr>
+            <a:spLocks noGrp="1"/>
+          </p:cNvSpPr>
+          <p:nvPr>
+            <p:ph type="title"/>
+          </p:nvPr>
+        </p:nvSpPr>
+        <p:spPr/>
+        <p:txBody>
+          <a:bodyPr/>
+          <a:lstStyle/>
+          <a:p>
+            <a:br>
+              <a:rPr lang="tr-TR" dirty="0"/>
+            </a:br>
+            <a:r>
+              <a:rPr lang="tr-TR" dirty="0" err="1"/>
+              <a:t>adapter</a:t>
+            </a:r>
+            <a:endParaRPr lang="tr-TR" dirty="0"/>
+          </a:p>
+        </p:txBody>
+      </p:sp>
+      <p:sp>
+        <p:nvSpPr>
+          <p:cNvPr id="3" name="İçerik Yer Tutucusu 2">
+            <a:extLst>
+              <a:ext uri="{FF2B5EF4-FFF2-40B4-BE49-F238E27FC236}">
+                <a16:creationId xmlns:a16="http://schemas.microsoft.com/office/drawing/2014/main" id="{8A0D10C3-A10E-6234-9D23-CF23F49E7F15}"/>
+              </a:ext>
+            </a:extLst>
+          </p:cNvPr>
+          <p:cNvSpPr>
+            <a:spLocks noGrp="1"/>
+          </p:cNvSpPr>
+          <p:nvPr>
+            <p:ph idx="1"/>
+          </p:nvPr>
+        </p:nvSpPr>
+        <p:spPr/>
+        <p:txBody>
+          <a:bodyPr/>
+          <a:lstStyle/>
+          <a:p>
+            <a:pPr algn="l">
+              <a:buFont typeface="Arial" panose="020B0604020202020204" pitchFamily="34" charset="0"/>
+              <a:buChar char="•"/>
+            </a:pPr>
+            <a:r>
+              <a:rPr lang="tr-TR" b="0" i="0" dirty="0">
+                <a:solidFill>
+                  <a:srgbClr val="242424"/>
+                </a:solidFill>
+                <a:effectLst/>
+                <a:latin typeface="source-serif-pro"/>
+              </a:rPr>
+              <a:t>İki uyumsuz </a:t>
+            </a:r>
+            <a:r>
+              <a:rPr lang="tr-TR" b="0" i="0" dirty="0" err="1">
+                <a:solidFill>
+                  <a:srgbClr val="242424"/>
+                </a:solidFill>
+                <a:effectLst/>
+                <a:latin typeface="source-serif-pro"/>
+              </a:rPr>
+              <a:t>interface’i</a:t>
+            </a:r>
+            <a:r>
+              <a:rPr lang="tr-TR" b="0" i="0" dirty="0">
+                <a:solidFill>
+                  <a:srgbClr val="242424"/>
+                </a:solidFill>
+                <a:effectLst/>
+                <a:latin typeface="source-serif-pro"/>
+              </a:rPr>
+              <a:t> beraber kullanmamızı sağlar.</a:t>
+            </a:r>
+          </a:p>
+        </p:txBody>
+      </p:sp>
+      <p:pic>
+        <p:nvPicPr>
+          <p:cNvPr id="5" name="Resim 4">
+            <a:extLst>
+              <a:ext uri="{FF2B5EF4-FFF2-40B4-BE49-F238E27FC236}">
+                <a16:creationId xmlns:a16="http://schemas.microsoft.com/office/drawing/2014/main" id="{E4E341E1-6575-B38F-F349-2F5E8A9CD09C}"/>
+              </a:ext>
+            </a:extLst>
+          </p:cNvPr>
+          <p:cNvPicPr>
+            <a:picLocks noChangeAspect="1"/>
+          </p:cNvPicPr>
+          <p:nvPr/>
+        </p:nvPicPr>
+        <p:blipFill>
+          <a:blip r:embed="rId2"/>
+          <a:stretch>
+            <a:fillRect/>
+          </a:stretch>
+        </p:blipFill>
+        <p:spPr>
+          <a:xfrm>
+            <a:off x="1451579" y="2886912"/>
+            <a:ext cx="2545418" cy="1418758"/>
+          </a:xfrm>
+          <a:prstGeom prst="rect">
+            <a:avLst/>
+          </a:prstGeom>
+        </p:spPr>
+      </p:pic>
+    </p:spTree>
+    <p:extLst>
+      <p:ext uri="{BB962C8B-B14F-4D97-AF65-F5344CB8AC3E}">
+        <p14:creationId xmlns:p14="http://schemas.microsoft.com/office/powerpoint/2010/main" val="3924663094"/>
+      </p:ext>
+    </p:extLst>
+  </p:cSld>
+  <p:clrMapOvr>
+    <a:masterClrMapping/>
+  </p:clrMapOvr>
+</p:sld>
+</file>
+
 <file path=ppt/slides/slide2.xml><?xml version="1.0" encoding="utf-8"?>
 <p:sld xmlns:a="http://schemas.openxmlformats.org/drawingml/2006/main" xmlns:r="http://schemas.openxmlformats.org/officeDocument/2006/relationships" xmlns:p="http://schemas.openxmlformats.org/presentationml/2006/main">
   <p:cSld>
@@ -5591,6 +5857,477 @@
     <p:extLst>
       <p:ext uri="{BB962C8B-B14F-4D97-AF65-F5344CB8AC3E}">
         <p14:creationId xmlns:p14="http://schemas.microsoft.com/office/powerpoint/2010/main" val="3055542667"/>
+      </p:ext>
+    </p:extLst>
+  </p:cSld>
+  <p:clrMapOvr>
+    <a:masterClrMapping/>
+  </p:clrMapOvr>
+</p:sld>
+</file>
+
+<file path=ppt/slides/slide20.xml><?xml version="1.0" encoding="utf-8"?>
+<p:sld xmlns:a="http://schemas.openxmlformats.org/drawingml/2006/main" xmlns:r="http://schemas.openxmlformats.org/officeDocument/2006/relationships" xmlns:p="http://schemas.openxmlformats.org/presentationml/2006/main" showMasterSp="0">
+  <p:cSld>
+    <p:spTree>
+      <p:nvGrpSpPr>
+        <p:cNvPr id="1" name=""/>
+        <p:cNvGrpSpPr/>
+        <p:nvPr/>
+      </p:nvGrpSpPr>
+      <p:grpSpPr>
+        <a:xfrm>
+          <a:off x="0" y="0"/>
+          <a:ext cx="0" cy="0"/>
+          <a:chOff x="0" y="0"/>
+          <a:chExt cx="0" cy="0"/>
+        </a:xfrm>
+      </p:grpSpPr>
+      <p:pic>
+        <p:nvPicPr>
+          <p:cNvPr id="5" name="İçerik Yer Tutucusu 4">
+            <a:extLst>
+              <a:ext uri="{FF2B5EF4-FFF2-40B4-BE49-F238E27FC236}">
+                <a16:creationId xmlns:a16="http://schemas.microsoft.com/office/drawing/2014/main" id="{C86B0FE2-28C1-C9B4-154B-5DA72D76B239}"/>
+              </a:ext>
+            </a:extLst>
+          </p:cNvPr>
+          <p:cNvPicPr>
+            <a:picLocks noGrp="1" noChangeAspect="1"/>
+          </p:cNvPicPr>
+          <p:nvPr>
+            <p:ph idx="1"/>
+          </p:nvPr>
+        </p:nvPicPr>
+        <p:blipFill>
+          <a:blip r:embed="rId2"/>
+          <a:stretch>
+            <a:fillRect/>
+          </a:stretch>
+        </p:blipFill>
+        <p:spPr>
+          <a:xfrm>
+            <a:off x="1123835" y="237859"/>
+            <a:ext cx="4305901" cy="3124636"/>
+          </a:xfrm>
+        </p:spPr>
+      </p:pic>
+      <p:pic>
+        <p:nvPicPr>
+          <p:cNvPr id="7" name="Resim 6">
+            <a:extLst>
+              <a:ext uri="{FF2B5EF4-FFF2-40B4-BE49-F238E27FC236}">
+                <a16:creationId xmlns:a16="http://schemas.microsoft.com/office/drawing/2014/main" id="{397819F9-EC20-F558-F53E-E07B218387BC}"/>
+              </a:ext>
+            </a:extLst>
+          </p:cNvPr>
+          <p:cNvPicPr>
+            <a:picLocks noChangeAspect="1"/>
+          </p:cNvPicPr>
+          <p:nvPr/>
+        </p:nvPicPr>
+        <p:blipFill>
+          <a:blip r:embed="rId3"/>
+          <a:stretch>
+            <a:fillRect/>
+          </a:stretch>
+        </p:blipFill>
+        <p:spPr>
+          <a:xfrm>
+            <a:off x="6612975" y="237859"/>
+            <a:ext cx="4097576" cy="3124636"/>
+          </a:xfrm>
+          <a:prstGeom prst="rect">
+            <a:avLst/>
+          </a:prstGeom>
+        </p:spPr>
+      </p:pic>
+      <p:pic>
+        <p:nvPicPr>
+          <p:cNvPr id="9" name="Resim 8">
+            <a:extLst>
+              <a:ext uri="{FF2B5EF4-FFF2-40B4-BE49-F238E27FC236}">
+                <a16:creationId xmlns:a16="http://schemas.microsoft.com/office/drawing/2014/main" id="{C0F12859-8DEE-6274-1D50-E9C325ABEDEC}"/>
+              </a:ext>
+            </a:extLst>
+          </p:cNvPr>
+          <p:cNvPicPr>
+            <a:picLocks noChangeAspect="1"/>
+          </p:cNvPicPr>
+          <p:nvPr/>
+        </p:nvPicPr>
+        <p:blipFill>
+          <a:blip r:embed="rId4"/>
+          <a:stretch>
+            <a:fillRect/>
+          </a:stretch>
+        </p:blipFill>
+        <p:spPr>
+          <a:xfrm>
+            <a:off x="3766812" y="3476452"/>
+            <a:ext cx="4658375" cy="3143689"/>
+          </a:xfrm>
+          <a:prstGeom prst="rect">
+            <a:avLst/>
+          </a:prstGeom>
+        </p:spPr>
+      </p:pic>
+      <p:sp>
+        <p:nvSpPr>
+          <p:cNvPr id="10" name="Metin kutusu 9">
+            <a:extLst>
+              <a:ext uri="{FF2B5EF4-FFF2-40B4-BE49-F238E27FC236}">
+                <a16:creationId xmlns:a16="http://schemas.microsoft.com/office/drawing/2014/main" id="{FBE02126-2EF1-9E05-614D-21302FC94C85}"/>
+              </a:ext>
+            </a:extLst>
+          </p:cNvPr>
+          <p:cNvSpPr txBox="1"/>
+          <p:nvPr/>
+        </p:nvSpPr>
+        <p:spPr>
+          <a:xfrm>
+            <a:off x="8873412" y="5131837"/>
+            <a:ext cx="2649894" cy="646331"/>
+          </a:xfrm>
+          <a:prstGeom prst="rect">
+            <a:avLst/>
+          </a:prstGeom>
+          <a:noFill/>
+        </p:spPr>
+        <p:txBody>
+          <a:bodyPr wrap="square" rtlCol="0">
+            <a:spAutoFit/>
+          </a:bodyPr>
+          <a:lstStyle/>
+          <a:p>
+            <a:r>
+              <a:rPr lang="tr-TR" dirty="0"/>
+              <a:t>Burası uyumsuz sınıf. </a:t>
+            </a:r>
+            <a:r>
+              <a:rPr lang="tr-TR" dirty="0" err="1"/>
+              <a:t>Implement</a:t>
+            </a:r>
+            <a:r>
+              <a:rPr lang="tr-TR" dirty="0"/>
+              <a:t> etmiyor.</a:t>
+            </a:r>
+          </a:p>
+        </p:txBody>
+      </p:sp>
+    </p:spTree>
+    <p:extLst>
+      <p:ext uri="{BB962C8B-B14F-4D97-AF65-F5344CB8AC3E}">
+        <p14:creationId xmlns:p14="http://schemas.microsoft.com/office/powerpoint/2010/main" val="2019305214"/>
+      </p:ext>
+    </p:extLst>
+  </p:cSld>
+  <p:clrMapOvr>
+    <a:masterClrMapping/>
+  </p:clrMapOvr>
+</p:sld>
+</file>
+
+<file path=ppt/slides/slide21.xml><?xml version="1.0" encoding="utf-8"?>
+<p:sld xmlns:a="http://schemas.openxmlformats.org/drawingml/2006/main" xmlns:r="http://schemas.openxmlformats.org/officeDocument/2006/relationships" xmlns:p="http://schemas.openxmlformats.org/presentationml/2006/main" showMasterSp="0">
+  <p:cSld>
+    <p:spTree>
+      <p:nvGrpSpPr>
+        <p:cNvPr id="1" name=""/>
+        <p:cNvGrpSpPr/>
+        <p:nvPr/>
+      </p:nvGrpSpPr>
+      <p:grpSpPr>
+        <a:xfrm>
+          <a:off x="0" y="0"/>
+          <a:ext cx="0" cy="0"/>
+          <a:chOff x="0" y="0"/>
+          <a:chExt cx="0" cy="0"/>
+        </a:xfrm>
+      </p:grpSpPr>
+      <p:sp>
+        <p:nvSpPr>
+          <p:cNvPr id="3" name="İçerik Yer Tutucusu 2">
+            <a:extLst>
+              <a:ext uri="{FF2B5EF4-FFF2-40B4-BE49-F238E27FC236}">
+                <a16:creationId xmlns:a16="http://schemas.microsoft.com/office/drawing/2014/main" id="{628EFDB6-C643-E4A2-DF96-540C0AE12C74}"/>
+              </a:ext>
+            </a:extLst>
+          </p:cNvPr>
+          <p:cNvSpPr>
+            <a:spLocks noGrp="1"/>
+          </p:cNvSpPr>
+          <p:nvPr>
+            <p:ph idx="1"/>
+          </p:nvPr>
+        </p:nvSpPr>
+        <p:spPr>
+          <a:xfrm>
+            <a:off x="1294362" y="311220"/>
+            <a:ext cx="9603275" cy="1047064"/>
+          </a:xfrm>
+        </p:spPr>
+        <p:txBody>
+          <a:bodyPr/>
+          <a:lstStyle/>
+          <a:p>
+            <a:r>
+              <a:rPr lang="tr-TR" b="0" i="0" dirty="0" err="1">
+                <a:solidFill>
+                  <a:srgbClr val="242424"/>
+                </a:solidFill>
+                <a:effectLst/>
+                <a:latin typeface="source-serif-pro"/>
+              </a:rPr>
+              <a:t>Crypt</a:t>
+            </a:r>
+            <a:r>
+              <a:rPr lang="tr-TR" b="0" i="0" dirty="0">
+                <a:solidFill>
+                  <a:srgbClr val="242424"/>
+                </a:solidFill>
+                <a:effectLst/>
+                <a:latin typeface="source-serif-pro"/>
+              </a:rPr>
+              <a:t> </a:t>
+            </a:r>
+            <a:r>
+              <a:rPr lang="tr-TR" b="0" i="0" dirty="0" err="1">
+                <a:solidFill>
+                  <a:srgbClr val="242424"/>
+                </a:solidFill>
+                <a:effectLst/>
+                <a:latin typeface="source-serif-pro"/>
+              </a:rPr>
+              <a:t>interface’i</a:t>
+            </a:r>
+            <a:r>
+              <a:rPr lang="tr-TR" b="0" i="0" dirty="0">
+                <a:solidFill>
+                  <a:srgbClr val="242424"/>
+                </a:solidFill>
+                <a:effectLst/>
+                <a:latin typeface="source-serif-pro"/>
+              </a:rPr>
+              <a:t> kullanılarak türetilmediğinden </a:t>
+            </a:r>
+            <a:r>
+              <a:rPr lang="tr-TR" b="0" i="0" dirty="0" err="1">
+                <a:solidFill>
+                  <a:srgbClr val="242424"/>
+                </a:solidFill>
+                <a:effectLst/>
+                <a:latin typeface="source-serif-pro"/>
+              </a:rPr>
+              <a:t>metodları</a:t>
+            </a:r>
+            <a:r>
+              <a:rPr lang="tr-TR" b="0" i="0" dirty="0">
+                <a:solidFill>
+                  <a:srgbClr val="242424"/>
+                </a:solidFill>
+                <a:effectLst/>
+                <a:latin typeface="source-serif-pro"/>
+              </a:rPr>
+              <a:t> farklıdır. Bu </a:t>
+            </a:r>
+            <a:r>
+              <a:rPr lang="tr-TR" b="0" i="0" dirty="0" err="1">
+                <a:solidFill>
+                  <a:srgbClr val="242424"/>
+                </a:solidFill>
+                <a:effectLst/>
+                <a:latin typeface="source-serif-pro"/>
+              </a:rPr>
+              <a:t>class’ın</a:t>
+            </a:r>
+            <a:r>
+              <a:rPr lang="tr-TR" b="0" i="0" dirty="0">
+                <a:solidFill>
+                  <a:srgbClr val="242424"/>
+                </a:solidFill>
+                <a:effectLst/>
+                <a:latin typeface="source-serif-pro"/>
+              </a:rPr>
+              <a:t> </a:t>
+            </a:r>
+            <a:r>
+              <a:rPr lang="tr-TR" b="0" i="0" dirty="0" err="1">
+                <a:solidFill>
+                  <a:srgbClr val="242424"/>
+                </a:solidFill>
+                <a:effectLst/>
+                <a:latin typeface="source-serif-pro"/>
+              </a:rPr>
+              <a:t>adapter’ını</a:t>
+            </a:r>
+            <a:r>
+              <a:rPr lang="tr-TR" b="0" i="0" dirty="0">
+                <a:solidFill>
+                  <a:srgbClr val="242424"/>
+                </a:solidFill>
+                <a:effectLst/>
+                <a:latin typeface="source-serif-pro"/>
+              </a:rPr>
+              <a:t> yazarak </a:t>
+            </a:r>
+            <a:r>
+              <a:rPr lang="tr-TR" b="0" i="0" dirty="0" err="1">
+                <a:solidFill>
+                  <a:srgbClr val="242424"/>
+                </a:solidFill>
+                <a:effectLst/>
+                <a:latin typeface="source-serif-pro"/>
+              </a:rPr>
+              <a:t>CryptA</a:t>
+            </a:r>
+            <a:r>
+              <a:rPr lang="tr-TR" b="0" i="0" dirty="0">
+                <a:solidFill>
+                  <a:srgbClr val="242424"/>
+                </a:solidFill>
+                <a:effectLst/>
+                <a:latin typeface="source-serif-pro"/>
+              </a:rPr>
+              <a:t> ve </a:t>
+            </a:r>
+            <a:r>
+              <a:rPr lang="tr-TR" b="0" i="0" dirty="0" err="1">
+                <a:solidFill>
+                  <a:srgbClr val="242424"/>
+                </a:solidFill>
+                <a:effectLst/>
+                <a:latin typeface="source-serif-pro"/>
+              </a:rPr>
+              <a:t>CryptB</a:t>
+            </a:r>
+            <a:r>
+              <a:rPr lang="tr-TR" b="0" i="0" dirty="0">
+                <a:solidFill>
+                  <a:srgbClr val="242424"/>
+                </a:solidFill>
+                <a:effectLst/>
+                <a:latin typeface="source-serif-pro"/>
+              </a:rPr>
+              <a:t> </a:t>
+            </a:r>
+            <a:r>
+              <a:rPr lang="tr-TR" b="0" i="0" dirty="0" err="1">
+                <a:solidFill>
+                  <a:srgbClr val="242424"/>
+                </a:solidFill>
+                <a:effectLst/>
+                <a:latin typeface="source-serif-pro"/>
+              </a:rPr>
+              <a:t>class’larının</a:t>
+            </a:r>
+            <a:r>
+              <a:rPr lang="tr-TR" b="0" i="0" dirty="0">
+                <a:solidFill>
+                  <a:srgbClr val="242424"/>
+                </a:solidFill>
+                <a:effectLst/>
+                <a:latin typeface="source-serif-pro"/>
+              </a:rPr>
+              <a:t> kullanıldığı gibi kullanılabilir.</a:t>
+            </a:r>
+            <a:endParaRPr lang="tr-TR" dirty="0"/>
+          </a:p>
+        </p:txBody>
+      </p:sp>
+      <p:pic>
+        <p:nvPicPr>
+          <p:cNvPr id="5" name="Resim 4">
+            <a:extLst>
+              <a:ext uri="{FF2B5EF4-FFF2-40B4-BE49-F238E27FC236}">
+                <a16:creationId xmlns:a16="http://schemas.microsoft.com/office/drawing/2014/main" id="{AB8F8B75-23F6-2E40-05C9-1DE682C12C35}"/>
+              </a:ext>
+            </a:extLst>
+          </p:cNvPr>
+          <p:cNvPicPr>
+            <a:picLocks noChangeAspect="1"/>
+          </p:cNvPicPr>
+          <p:nvPr/>
+        </p:nvPicPr>
+        <p:blipFill>
+          <a:blip r:embed="rId2"/>
+          <a:stretch>
+            <a:fillRect/>
+          </a:stretch>
+        </p:blipFill>
+        <p:spPr>
+          <a:xfrm>
+            <a:off x="3734538" y="1393036"/>
+            <a:ext cx="4096322" cy="5153744"/>
+          </a:xfrm>
+          <a:prstGeom prst="rect">
+            <a:avLst/>
+          </a:prstGeom>
+        </p:spPr>
+      </p:pic>
+    </p:spTree>
+    <p:extLst>
+      <p:ext uri="{BB962C8B-B14F-4D97-AF65-F5344CB8AC3E}">
+        <p14:creationId xmlns:p14="http://schemas.microsoft.com/office/powerpoint/2010/main" val="3312137201"/>
+      </p:ext>
+    </p:extLst>
+  </p:cSld>
+  <p:clrMapOvr>
+    <a:masterClrMapping/>
+  </p:clrMapOvr>
+</p:sld>
+</file>
+
+<file path=ppt/slides/slide22.xml><?xml version="1.0" encoding="utf-8"?>
+<p:sld xmlns:a="http://schemas.openxmlformats.org/drawingml/2006/main" xmlns:r="http://schemas.openxmlformats.org/officeDocument/2006/relationships" xmlns:p="http://schemas.openxmlformats.org/presentationml/2006/main" showMasterSp="0">
+  <p:cSld>
+    <p:spTree>
+      <p:nvGrpSpPr>
+        <p:cNvPr id="1" name=""/>
+        <p:cNvGrpSpPr/>
+        <p:nvPr/>
+      </p:nvGrpSpPr>
+      <p:grpSpPr>
+        <a:xfrm>
+          <a:off x="0" y="0"/>
+          <a:ext cx="0" cy="0"/>
+          <a:chOff x="0" y="0"/>
+          <a:chExt cx="0" cy="0"/>
+        </a:xfrm>
+      </p:grpSpPr>
+      <p:pic>
+        <p:nvPicPr>
+          <p:cNvPr id="5" name="İçerik Yer Tutucusu 4">
+            <a:extLst>
+              <a:ext uri="{FF2B5EF4-FFF2-40B4-BE49-F238E27FC236}">
+                <a16:creationId xmlns:a16="http://schemas.microsoft.com/office/drawing/2014/main" id="{4FBB8ED2-510B-D2AA-55D5-05B60EAC5133}"/>
+              </a:ext>
+            </a:extLst>
+          </p:cNvPr>
+          <p:cNvPicPr>
+            <a:picLocks noGrp="1" noChangeAspect="1"/>
+          </p:cNvPicPr>
+          <p:nvPr>
+            <p:ph idx="1"/>
+          </p:nvPr>
+        </p:nvPicPr>
+        <p:blipFill>
+          <a:blip r:embed="rId2"/>
+          <a:stretch>
+            <a:fillRect/>
+          </a:stretch>
+        </p:blipFill>
+        <p:spPr>
+          <a:xfrm>
+            <a:off x="3684235" y="321906"/>
+            <a:ext cx="4823530" cy="6214188"/>
+          </a:xfrm>
+        </p:spPr>
+      </p:pic>
+    </p:spTree>
+    <p:extLst>
+      <p:ext uri="{BB962C8B-B14F-4D97-AF65-F5344CB8AC3E}">
+        <p14:creationId xmlns:p14="http://schemas.microsoft.com/office/powerpoint/2010/main" val="177388302"/>
       </p:ext>
     </p:extLst>
   </p:cSld>
@@ -6537,16 +7274,12 @@
           <a:lstStyle/>
           <a:p>
             <a:r>
-              <a:rPr lang="tr-TR" dirty="0"/>
-              <a:t>Yaratıcı tasarım kalıpları (</a:t>
-            </a:r>
-            <a:r>
               <a:rPr lang="tr-TR" dirty="0" err="1"/>
               <a:t>creatıonal</a:t>
             </a:r>
             <a:r>
               <a:rPr lang="tr-TR" dirty="0"/>
-              <a:t>)</a:t>
+              <a:t> tasarım kalıpları</a:t>
             </a:r>
           </a:p>
         </p:txBody>

--- a/design patterns.pptx
+++ b/design patterns.pptx
@@ -5,7 +5,7 @@
     <p:sldMasterId id="2147483660" r:id="rId1"/>
   </p:sldMasterIdLst>
   <p:notesMasterIdLst>
-    <p:notesMasterId r:id="rId24"/>
+    <p:notesMasterId r:id="rId28"/>
   </p:notesMasterIdLst>
   <p:sldIdLst>
     <p:sldId id="256" r:id="rId2"/>
@@ -30,6 +30,10 @@
     <p:sldId id="275" r:id="rId21"/>
     <p:sldId id="276" r:id="rId22"/>
     <p:sldId id="277" r:id="rId23"/>
+    <p:sldId id="278" r:id="rId24"/>
+    <p:sldId id="279" r:id="rId25"/>
+    <p:sldId id="280" r:id="rId26"/>
+    <p:sldId id="281" r:id="rId27"/>
   </p:sldIdLst>
   <p:sldSz cx="12192000" cy="6858000"/>
   <p:notesSz cx="6858000" cy="9144000"/>
@@ -6328,6 +6332,408 @@
     <p:extLst>
       <p:ext uri="{BB962C8B-B14F-4D97-AF65-F5344CB8AC3E}">
         <p14:creationId xmlns:p14="http://schemas.microsoft.com/office/powerpoint/2010/main" val="177388302"/>
+      </p:ext>
+    </p:extLst>
+  </p:cSld>
+  <p:clrMapOvr>
+    <a:masterClrMapping/>
+  </p:clrMapOvr>
+</p:sld>
+</file>
+
+<file path=ppt/slides/slide23.xml><?xml version="1.0" encoding="utf-8"?>
+<p:sld xmlns:a="http://schemas.openxmlformats.org/drawingml/2006/main" xmlns:r="http://schemas.openxmlformats.org/officeDocument/2006/relationships" xmlns:p="http://schemas.openxmlformats.org/presentationml/2006/main">
+  <p:cSld>
+    <p:spTree>
+      <p:nvGrpSpPr>
+        <p:cNvPr id="1" name=""/>
+        <p:cNvGrpSpPr/>
+        <p:nvPr/>
+      </p:nvGrpSpPr>
+      <p:grpSpPr>
+        <a:xfrm>
+          <a:off x="0" y="0"/>
+          <a:ext cx="0" cy="0"/>
+          <a:chOff x="0" y="0"/>
+          <a:chExt cx="0" cy="0"/>
+        </a:xfrm>
+      </p:grpSpPr>
+      <p:sp>
+        <p:nvSpPr>
+          <p:cNvPr id="2" name="Başlık 1">
+            <a:extLst>
+              <a:ext uri="{FF2B5EF4-FFF2-40B4-BE49-F238E27FC236}">
+                <a16:creationId xmlns:a16="http://schemas.microsoft.com/office/drawing/2014/main" id="{2B67278F-02E0-2651-F3FF-97CDA710C773}"/>
+              </a:ext>
+            </a:extLst>
+          </p:cNvPr>
+          <p:cNvSpPr>
+            <a:spLocks noGrp="1"/>
+          </p:cNvSpPr>
+          <p:nvPr>
+            <p:ph type="title"/>
+          </p:nvPr>
+        </p:nvSpPr>
+        <p:spPr/>
+        <p:txBody>
+          <a:bodyPr/>
+          <a:lstStyle/>
+          <a:p>
+            <a:r>
+              <a:rPr lang="tr-TR" dirty="0" err="1"/>
+              <a:t>composıte</a:t>
+            </a:r>
+            <a:endParaRPr lang="tr-TR" dirty="0"/>
+          </a:p>
+        </p:txBody>
+      </p:sp>
+      <p:sp>
+        <p:nvSpPr>
+          <p:cNvPr id="3" name="İçerik Yer Tutucusu 2">
+            <a:extLst>
+              <a:ext uri="{FF2B5EF4-FFF2-40B4-BE49-F238E27FC236}">
+                <a16:creationId xmlns:a16="http://schemas.microsoft.com/office/drawing/2014/main" id="{547F71DF-C867-EB09-9846-5F87FBB4A33D}"/>
+              </a:ext>
+            </a:extLst>
+          </p:cNvPr>
+          <p:cNvSpPr>
+            <a:spLocks noGrp="1"/>
+          </p:cNvSpPr>
+          <p:nvPr>
+            <p:ph idx="1"/>
+          </p:nvPr>
+        </p:nvSpPr>
+        <p:spPr/>
+        <p:txBody>
+          <a:bodyPr/>
+          <a:lstStyle/>
+          <a:p>
+            <a:r>
+              <a:rPr lang="tr-TR" b="0" i="0" dirty="0">
+                <a:solidFill>
+                  <a:srgbClr val="666666"/>
+                </a:solidFill>
+                <a:effectLst/>
+                <a:latin typeface="Georgia" panose="02040502050405020303" pitchFamily="18" charset="0"/>
+              </a:rPr>
+              <a:t>Bazen yazılım tasarımları süreçlerinde nesnelerin ağaç yapıları halinde oluşturulması ve ardından bu yapılarla tek tek nesnelermiş gibi çalışılması gerekebilir. İşte böyle durumlarda </a:t>
+            </a:r>
+            <a:r>
+              <a:rPr lang="tr-TR" b="0" i="0" dirty="0" err="1">
+                <a:solidFill>
+                  <a:srgbClr val="666666"/>
+                </a:solidFill>
+                <a:effectLst/>
+                <a:latin typeface="Georgia" panose="02040502050405020303" pitchFamily="18" charset="0"/>
+              </a:rPr>
+              <a:t>Composite</a:t>
+            </a:r>
+            <a:r>
+              <a:rPr lang="tr-TR" b="0" i="0" dirty="0">
+                <a:solidFill>
+                  <a:srgbClr val="666666"/>
+                </a:solidFill>
+                <a:effectLst/>
+                <a:latin typeface="Georgia" panose="02040502050405020303" pitchFamily="18" charset="0"/>
+              </a:rPr>
+              <a:t> </a:t>
+            </a:r>
+            <a:r>
+              <a:rPr lang="tr-TR" b="0" i="0" dirty="0" err="1">
+                <a:solidFill>
+                  <a:srgbClr val="666666"/>
+                </a:solidFill>
+                <a:effectLst/>
+                <a:latin typeface="Georgia" panose="02040502050405020303" pitchFamily="18" charset="0"/>
+              </a:rPr>
+              <a:t>pattern</a:t>
+            </a:r>
+            <a:r>
+              <a:rPr lang="tr-TR" b="0" i="0" dirty="0">
+                <a:solidFill>
+                  <a:srgbClr val="666666"/>
+                </a:solidFill>
+                <a:effectLst/>
+                <a:latin typeface="Georgia" panose="02040502050405020303" pitchFamily="18" charset="0"/>
+              </a:rPr>
+              <a:t> tasarımsal açıdan imdadınıza yetişebilir.</a:t>
+            </a:r>
+          </a:p>
+          <a:p>
+            <a:r>
+              <a:rPr lang="tr-TR" dirty="0">
+                <a:solidFill>
+                  <a:srgbClr val="666666"/>
+                </a:solidFill>
+                <a:latin typeface="Georgia" panose="02040502050405020303" pitchFamily="18" charset="0"/>
+              </a:rPr>
+              <a:t>Bir grup nesneyi tek bir nesneymiş </a:t>
+            </a:r>
+            <a:r>
+              <a:rPr lang="tr-TR">
+                <a:solidFill>
+                  <a:srgbClr val="666666"/>
+                </a:solidFill>
+                <a:latin typeface="Georgia" panose="02040502050405020303" pitchFamily="18" charset="0"/>
+              </a:rPr>
+              <a:t>gibi kullanırız.</a:t>
+            </a:r>
+            <a:endParaRPr lang="tr-TR" dirty="0"/>
+          </a:p>
+        </p:txBody>
+      </p:sp>
+    </p:spTree>
+    <p:extLst>
+      <p:ext uri="{BB962C8B-B14F-4D97-AF65-F5344CB8AC3E}">
+        <p14:creationId xmlns:p14="http://schemas.microsoft.com/office/powerpoint/2010/main" val="1783957907"/>
+      </p:ext>
+    </p:extLst>
+  </p:cSld>
+  <p:clrMapOvr>
+    <a:masterClrMapping/>
+  </p:clrMapOvr>
+</p:sld>
+</file>
+
+<file path=ppt/slides/slide24.xml><?xml version="1.0" encoding="utf-8"?>
+<p:sld xmlns:a="http://schemas.openxmlformats.org/drawingml/2006/main" xmlns:r="http://schemas.openxmlformats.org/officeDocument/2006/relationships" xmlns:p="http://schemas.openxmlformats.org/presentationml/2006/main">
+  <p:cSld>
+    <p:spTree>
+      <p:nvGrpSpPr>
+        <p:cNvPr id="1" name=""/>
+        <p:cNvGrpSpPr/>
+        <p:nvPr/>
+      </p:nvGrpSpPr>
+      <p:grpSpPr>
+        <a:xfrm>
+          <a:off x="0" y="0"/>
+          <a:ext cx="0" cy="0"/>
+          <a:chOff x="0" y="0"/>
+          <a:chExt cx="0" cy="0"/>
+        </a:xfrm>
+      </p:grpSpPr>
+      <p:sp>
+        <p:nvSpPr>
+          <p:cNvPr id="2" name="Başlık 1">
+            <a:extLst>
+              <a:ext uri="{FF2B5EF4-FFF2-40B4-BE49-F238E27FC236}">
+                <a16:creationId xmlns:a16="http://schemas.microsoft.com/office/drawing/2014/main" id="{08219701-A534-3090-4DE6-6BF5F3D194ED}"/>
+              </a:ext>
+            </a:extLst>
+          </p:cNvPr>
+          <p:cNvSpPr>
+            <a:spLocks noGrp="1"/>
+          </p:cNvSpPr>
+          <p:nvPr>
+            <p:ph type="title"/>
+          </p:nvPr>
+        </p:nvSpPr>
+        <p:spPr/>
+        <p:txBody>
+          <a:bodyPr/>
+          <a:lstStyle/>
+          <a:p>
+            <a:r>
+              <a:rPr lang="tr-TR" i="0" dirty="0">
+                <a:effectLst/>
+                <a:latin typeface="Georgia" panose="02040502050405020303" pitchFamily="18" charset="0"/>
+              </a:rPr>
+              <a:t>SENARYO</a:t>
+            </a:r>
+            <a:endParaRPr lang="tr-TR" dirty="0"/>
+          </a:p>
+        </p:txBody>
+      </p:sp>
+      <p:sp>
+        <p:nvSpPr>
+          <p:cNvPr id="3" name="İçerik Yer Tutucusu 2">
+            <a:extLst>
+              <a:ext uri="{FF2B5EF4-FFF2-40B4-BE49-F238E27FC236}">
+                <a16:creationId xmlns:a16="http://schemas.microsoft.com/office/drawing/2014/main" id="{6EE6E6B8-313A-2241-8CC5-49267A1B1639}"/>
+              </a:ext>
+            </a:extLst>
+          </p:cNvPr>
+          <p:cNvSpPr>
+            <a:spLocks noGrp="1"/>
+          </p:cNvSpPr>
+          <p:nvPr>
+            <p:ph idx="1"/>
+          </p:nvPr>
+        </p:nvSpPr>
+        <p:spPr/>
+        <p:txBody>
+          <a:bodyPr/>
+          <a:lstStyle/>
+          <a:p>
+            <a:r>
+              <a:rPr lang="tr-TR" b="0" i="0" dirty="0">
+                <a:effectLst/>
+                <a:latin typeface="Georgia" panose="02040502050405020303" pitchFamily="18" charset="0"/>
+              </a:rPr>
+              <a:t>Emir komuta sistemine sahip ordu modelini yazılımsal olarak inşa edelim ve üst rütbelerden gelen emirleri tüm seviyelerdeki askerlere iletelim.</a:t>
+            </a:r>
+            <a:endParaRPr lang="tr-TR" dirty="0"/>
+          </a:p>
+        </p:txBody>
+      </p:sp>
+    </p:spTree>
+    <p:extLst>
+      <p:ext uri="{BB962C8B-B14F-4D97-AF65-F5344CB8AC3E}">
+        <p14:creationId xmlns:p14="http://schemas.microsoft.com/office/powerpoint/2010/main" val="4230915521"/>
+      </p:ext>
+    </p:extLst>
+  </p:cSld>
+  <p:clrMapOvr>
+    <a:masterClrMapping/>
+  </p:clrMapOvr>
+</p:sld>
+</file>
+
+<file path=ppt/slides/slide25.xml><?xml version="1.0" encoding="utf-8"?>
+<p:sld xmlns:a="http://schemas.openxmlformats.org/drawingml/2006/main" xmlns:r="http://schemas.openxmlformats.org/officeDocument/2006/relationships" xmlns:p="http://schemas.openxmlformats.org/presentationml/2006/main" showMasterSp="0">
+  <p:cSld>
+    <p:spTree>
+      <p:nvGrpSpPr>
+        <p:cNvPr id="1" name=""/>
+        <p:cNvGrpSpPr/>
+        <p:nvPr/>
+      </p:nvGrpSpPr>
+      <p:grpSpPr>
+        <a:xfrm>
+          <a:off x="0" y="0"/>
+          <a:ext cx="0" cy="0"/>
+          <a:chOff x="0" y="0"/>
+          <a:chExt cx="0" cy="0"/>
+        </a:xfrm>
+      </p:grpSpPr>
+      <p:pic>
+        <p:nvPicPr>
+          <p:cNvPr id="4" name="İçerik Yer Tutucusu 3">
+            <a:extLst>
+              <a:ext uri="{FF2B5EF4-FFF2-40B4-BE49-F238E27FC236}">
+                <a16:creationId xmlns:a16="http://schemas.microsoft.com/office/drawing/2014/main" id="{6B4C8C53-F712-3F75-0AD9-394A7EAD893A}"/>
+              </a:ext>
+            </a:extLst>
+          </p:cNvPr>
+          <p:cNvPicPr>
+            <a:picLocks noGrp="1" noChangeAspect="1"/>
+          </p:cNvPicPr>
+          <p:nvPr>
+            <p:ph idx="1"/>
+          </p:nvPr>
+        </p:nvPicPr>
+        <p:blipFill>
+          <a:blip r:embed="rId2"/>
+          <a:stretch>
+            <a:fillRect/>
+          </a:stretch>
+        </p:blipFill>
+        <p:spPr>
+          <a:xfrm>
+            <a:off x="514541" y="1747603"/>
+            <a:ext cx="6144482" cy="3362794"/>
+          </a:xfrm>
+          <a:prstGeom prst="rect">
+            <a:avLst/>
+          </a:prstGeom>
+        </p:spPr>
+      </p:pic>
+      <p:pic>
+        <p:nvPicPr>
+          <p:cNvPr id="6" name="Resim 5">
+            <a:extLst>
+              <a:ext uri="{FF2B5EF4-FFF2-40B4-BE49-F238E27FC236}">
+                <a16:creationId xmlns:a16="http://schemas.microsoft.com/office/drawing/2014/main" id="{461F5941-A35D-3FF2-D648-3B8B550A3FEB}"/>
+              </a:ext>
+            </a:extLst>
+          </p:cNvPr>
+          <p:cNvPicPr>
+            <a:picLocks noChangeAspect="1"/>
+          </p:cNvPicPr>
+          <p:nvPr/>
+        </p:nvPicPr>
+        <p:blipFill>
+          <a:blip r:embed="rId3"/>
+          <a:stretch>
+            <a:fillRect/>
+          </a:stretch>
+        </p:blipFill>
+        <p:spPr>
+          <a:xfrm>
+            <a:off x="7772825" y="2357288"/>
+            <a:ext cx="3458058" cy="2143424"/>
+          </a:xfrm>
+          <a:prstGeom prst="rect">
+            <a:avLst/>
+          </a:prstGeom>
+        </p:spPr>
+      </p:pic>
+    </p:spTree>
+    <p:extLst>
+      <p:ext uri="{BB962C8B-B14F-4D97-AF65-F5344CB8AC3E}">
+        <p14:creationId xmlns:p14="http://schemas.microsoft.com/office/powerpoint/2010/main" val="2386007444"/>
+      </p:ext>
+    </p:extLst>
+  </p:cSld>
+  <p:clrMapOvr>
+    <a:masterClrMapping/>
+  </p:clrMapOvr>
+</p:sld>
+</file>
+
+<file path=ppt/slides/slide26.xml><?xml version="1.0" encoding="utf-8"?>
+<p:sld xmlns:a="http://schemas.openxmlformats.org/drawingml/2006/main" xmlns:r="http://schemas.openxmlformats.org/officeDocument/2006/relationships" xmlns:p="http://schemas.openxmlformats.org/presentationml/2006/main" showMasterSp="0">
+  <p:cSld>
+    <p:spTree>
+      <p:nvGrpSpPr>
+        <p:cNvPr id="1" name=""/>
+        <p:cNvGrpSpPr/>
+        <p:nvPr/>
+      </p:nvGrpSpPr>
+      <p:grpSpPr>
+        <a:xfrm>
+          <a:off x="0" y="0"/>
+          <a:ext cx="0" cy="0"/>
+          <a:chOff x="0" y="0"/>
+          <a:chExt cx="0" cy="0"/>
+        </a:xfrm>
+      </p:grpSpPr>
+      <p:pic>
+        <p:nvPicPr>
+          <p:cNvPr id="4" name="İçerik Yer Tutucusu 3">
+            <a:extLst>
+              <a:ext uri="{FF2B5EF4-FFF2-40B4-BE49-F238E27FC236}">
+                <a16:creationId xmlns:a16="http://schemas.microsoft.com/office/drawing/2014/main" id="{F1CC3F1D-2190-CDF3-E206-814E3DD67544}"/>
+              </a:ext>
+            </a:extLst>
+          </p:cNvPr>
+          <p:cNvPicPr>
+            <a:picLocks noGrp="1" noChangeAspect="1"/>
+          </p:cNvPicPr>
+          <p:nvPr>
+            <p:ph idx="1"/>
+          </p:nvPr>
+        </p:nvPicPr>
+        <p:blipFill>
+          <a:blip r:embed="rId2"/>
+          <a:stretch>
+            <a:fillRect/>
+          </a:stretch>
+        </p:blipFill>
+        <p:spPr>
+          <a:xfrm>
+            <a:off x="587687" y="1390973"/>
+            <a:ext cx="7399316" cy="4258533"/>
+          </a:xfrm>
+          <a:prstGeom prst="rect">
+            <a:avLst/>
+          </a:prstGeom>
+        </p:spPr>
+      </p:pic>
+    </p:spTree>
+    <p:extLst>
+      <p:ext uri="{BB962C8B-B14F-4D97-AF65-F5344CB8AC3E}">
+        <p14:creationId xmlns:p14="http://schemas.microsoft.com/office/powerpoint/2010/main" val="2607072274"/>
       </p:ext>
     </p:extLst>
   </p:cSld>

--- a/design patterns.pptx
+++ b/design patterns.pptx
@@ -5,7 +5,7 @@
     <p:sldMasterId id="2147483660" r:id="rId1"/>
   </p:sldMasterIdLst>
   <p:notesMasterIdLst>
-    <p:notesMasterId r:id="rId28"/>
+    <p:notesMasterId r:id="rId30"/>
   </p:notesMasterIdLst>
   <p:sldIdLst>
     <p:sldId id="256" r:id="rId2"/>
@@ -31,9 +31,11 @@
     <p:sldId id="276" r:id="rId22"/>
     <p:sldId id="277" r:id="rId23"/>
     <p:sldId id="278" r:id="rId24"/>
-    <p:sldId id="279" r:id="rId25"/>
-    <p:sldId id="280" r:id="rId26"/>
-    <p:sldId id="281" r:id="rId27"/>
+    <p:sldId id="282" r:id="rId25"/>
+    <p:sldId id="283" r:id="rId26"/>
+    <p:sldId id="284" r:id="rId27"/>
+    <p:sldId id="285" r:id="rId28"/>
+    <p:sldId id="286" r:id="rId29"/>
   </p:sldIdLst>
   <p:sldSz cx="12192000" cy="6858000"/>
   <p:notesSz cx="6858000" cy="9144000"/>
@@ -222,7 +224,7 @@
           <a:p>
             <a:fld id="{92E17FD7-2B91-41C5-B27D-EA41E27D4EA2}" type="datetimeFigureOut">
               <a:rPr lang="tr-TR" smtClean="0"/>
-              <a:t>4.09.2023</a:t>
+              <a:t>5.09.2023</a:t>
             </a:fld>
             <a:endParaRPr lang="tr-TR"/>
           </a:p>
@@ -628,7 +630,7 @@
           <a:p>
             <a:fld id="{0127AC57-18D5-446F-AD41-2549780C6555}" type="datetimeFigureOut">
               <a:rPr lang="tr-TR" smtClean="0"/>
-              <a:t>4.09.2023</a:t>
+              <a:t>5.09.2023</a:t>
             </a:fld>
             <a:endParaRPr lang="tr-TR"/>
           </a:p>
@@ -839,7 +841,7 @@
           <a:p>
             <a:fld id="{0127AC57-18D5-446F-AD41-2549780C6555}" type="datetimeFigureOut">
               <a:rPr lang="tr-TR" smtClean="0"/>
-              <a:t>4.09.2023</a:t>
+              <a:t>5.09.2023</a:t>
             </a:fld>
             <a:endParaRPr lang="tr-TR"/>
           </a:p>
@@ -1054,7 +1056,7 @@
           <a:p>
             <a:fld id="{0127AC57-18D5-446F-AD41-2549780C6555}" type="datetimeFigureOut">
               <a:rPr lang="tr-TR" smtClean="0"/>
-              <a:t>4.09.2023</a:t>
+              <a:t>5.09.2023</a:t>
             </a:fld>
             <a:endParaRPr lang="tr-TR"/>
           </a:p>
@@ -1255,7 +1257,7 @@
           <a:p>
             <a:fld id="{0127AC57-18D5-446F-AD41-2549780C6555}" type="datetimeFigureOut">
               <a:rPr lang="tr-TR" smtClean="0"/>
-              <a:t>4.09.2023</a:t>
+              <a:t>5.09.2023</a:t>
             </a:fld>
             <a:endParaRPr lang="tr-TR"/>
           </a:p>
@@ -1534,7 +1536,7 @@
           <a:p>
             <a:fld id="{0127AC57-18D5-446F-AD41-2549780C6555}" type="datetimeFigureOut">
               <a:rPr lang="tr-TR" smtClean="0"/>
-              <a:t>4.09.2023</a:t>
+              <a:t>5.09.2023</a:t>
             </a:fld>
             <a:endParaRPr lang="tr-TR"/>
           </a:p>
@@ -1802,7 +1804,7 @@
           <a:p>
             <a:fld id="{0127AC57-18D5-446F-AD41-2549780C6555}" type="datetimeFigureOut">
               <a:rPr lang="tr-TR" smtClean="0"/>
-              <a:t>4.09.2023</a:t>
+              <a:t>5.09.2023</a:t>
             </a:fld>
             <a:endParaRPr lang="tr-TR"/>
           </a:p>
@@ -2218,7 +2220,7 @@
           <a:p>
             <a:fld id="{0127AC57-18D5-446F-AD41-2549780C6555}" type="datetimeFigureOut">
               <a:rPr lang="tr-TR" smtClean="0"/>
-              <a:t>4.09.2023</a:t>
+              <a:t>5.09.2023</a:t>
             </a:fld>
             <a:endParaRPr lang="tr-TR"/>
           </a:p>
@@ -2367,7 +2369,7 @@
           <a:p>
             <a:fld id="{0127AC57-18D5-446F-AD41-2549780C6555}" type="datetimeFigureOut">
               <a:rPr lang="tr-TR" smtClean="0"/>
-              <a:t>4.09.2023</a:t>
+              <a:t>5.09.2023</a:t>
             </a:fld>
             <a:endParaRPr lang="tr-TR"/>
           </a:p>
@@ -2493,7 +2495,7 @@
           <a:p>
             <a:fld id="{0127AC57-18D5-446F-AD41-2549780C6555}" type="datetimeFigureOut">
               <a:rPr lang="tr-TR" smtClean="0"/>
-              <a:t>4.09.2023</a:t>
+              <a:t>5.09.2023</a:t>
             </a:fld>
             <a:endParaRPr lang="tr-TR"/>
           </a:p>
@@ -2744,7 +2746,7 @@
           <a:p>
             <a:fld id="{0127AC57-18D5-446F-AD41-2549780C6555}" type="datetimeFigureOut">
               <a:rPr lang="tr-TR" smtClean="0"/>
-              <a:t>4.09.2023</a:t>
+              <a:t>5.09.2023</a:t>
             </a:fld>
             <a:endParaRPr lang="tr-TR"/>
           </a:p>
@@ -3189,7 +3191,7 @@
           <a:p>
             <a:fld id="{0127AC57-18D5-446F-AD41-2549780C6555}" type="datetimeFigureOut">
               <a:rPr lang="tr-TR" smtClean="0"/>
-              <a:t>4.09.2023</a:t>
+              <a:t>5.09.2023</a:t>
             </a:fld>
             <a:endParaRPr lang="tr-TR"/>
           </a:p>
@@ -3516,7 +3518,7 @@
           <a:p>
             <a:fld id="{0127AC57-18D5-446F-AD41-2549780C6555}" type="datetimeFigureOut">
               <a:rPr lang="tr-TR" smtClean="0"/>
-              <a:t>4.09.2023</a:t>
+              <a:t>5.09.2023</a:t>
             </a:fld>
             <a:endParaRPr lang="tr-TR"/>
           </a:p>
@@ -6416,7 +6418,27 @@
                 <a:effectLst/>
                 <a:latin typeface="Georgia" panose="02040502050405020303" pitchFamily="18" charset="0"/>
               </a:rPr>
-              <a:t>Bazen yazılım tasarımları süreçlerinde nesnelerin ağaç yapıları halinde oluşturulması ve ardından bu yapılarla tek tek nesnelermiş gibi çalışılması gerekebilir. İşte böyle durumlarda </a:t>
+              <a:t>Bazen yazılım tasarımları süreçlerinde nesnelerin </a:t>
+            </a:r>
+            <a:r>
+              <a:rPr lang="tr-TR" b="1" i="0" dirty="0">
+                <a:solidFill>
+                  <a:srgbClr val="666666"/>
+                </a:solidFill>
+                <a:effectLst/>
+                <a:latin typeface="Georgia" panose="02040502050405020303" pitchFamily="18" charset="0"/>
+              </a:rPr>
+              <a:t>ağaç yapıları </a:t>
+            </a:r>
+            <a:r>
+              <a:rPr lang="tr-TR" b="0" i="0" dirty="0">
+                <a:solidFill>
+                  <a:srgbClr val="666666"/>
+                </a:solidFill>
+                <a:effectLst/>
+                <a:latin typeface="Georgia" panose="02040502050405020303" pitchFamily="18" charset="0"/>
+              </a:rPr>
+              <a:t>halinde oluşturulması ve ardından bu yapılarla tek tek nesnelermiş gibi çalışılması gerekebilir. İşte böyle durumlarda </a:t>
             </a:r>
             <a:r>
               <a:rPr lang="tr-TR" b="0" i="0" dirty="0" err="1">
@@ -6461,24 +6483,15 @@
           </a:p>
           <a:p>
             <a:r>
-              <a:rPr lang="tr-TR" dirty="0">
+              <a:rPr lang="tr-TR" b="1" dirty="0">
                 <a:solidFill>
                   <a:srgbClr val="666666"/>
                 </a:solidFill>
                 <a:latin typeface="Georgia" panose="02040502050405020303" pitchFamily="18" charset="0"/>
               </a:rPr>
-              <a:t>Bir grup nesneyi tek bir nesneymiş </a:t>
-            </a:r>
-            <a:r>
-              <a:rPr lang="tr-TR">
-                <a:solidFill>
-                  <a:srgbClr val="666666"/>
-                </a:solidFill>
-                <a:latin typeface="Georgia" panose="02040502050405020303" pitchFamily="18" charset="0"/>
-              </a:rPr>
-              <a:t>gibi kullanırız.</a:t>
-            </a:r>
-            <a:endParaRPr lang="tr-TR" dirty="0"/>
+              <a:t>Bir grup nesneyi tek bir nesneymiş gibi kullanırız.</a:t>
+            </a:r>
+            <a:endParaRPr lang="tr-TR" b="1" dirty="0"/>
           </a:p>
         </p:txBody>
       </p:sp>
@@ -6514,10 +6527,10 @@
       </p:grpSpPr>
       <p:sp>
         <p:nvSpPr>
-          <p:cNvPr id="2" name="Başlık 1">
+          <p:cNvPr id="3" name="İçerik Yer Tutucusu 2">
             <a:extLst>
               <a:ext uri="{FF2B5EF4-FFF2-40B4-BE49-F238E27FC236}">
-                <a16:creationId xmlns:a16="http://schemas.microsoft.com/office/drawing/2014/main" id="{08219701-A534-3090-4DE6-6BF5F3D194ED}"/>
+                <a16:creationId xmlns:a16="http://schemas.microsoft.com/office/drawing/2014/main" id="{FF677170-840A-E2BB-7420-AD0FAC7D96CB}"/>
               </a:ext>
             </a:extLst>
           </p:cNvPr>
@@ -6525,7 +6538,7 @@
             <a:spLocks noGrp="1"/>
           </p:cNvSpPr>
           <p:nvPr>
-            <p:ph type="title"/>
+            <p:ph idx="1"/>
           </p:nvPr>
         </p:nvSpPr>
         <p:spPr/>
@@ -6534,43 +6547,114 @@
           <a:lstStyle/>
           <a:p>
             <a:r>
-              <a:rPr lang="tr-TR" i="0" dirty="0">
-                <a:effectLst/>
-                <a:latin typeface="Georgia" panose="02040502050405020303" pitchFamily="18" charset="0"/>
-              </a:rPr>
-              <a:t>SENARYO</a:t>
-            </a:r>
-            <a:endParaRPr lang="tr-TR" dirty="0"/>
-          </a:p>
-        </p:txBody>
-      </p:sp>
-      <p:sp>
-        <p:nvSpPr>
-          <p:cNvPr id="3" name="İçerik Yer Tutucusu 2">
-            <a:extLst>
-              <a:ext uri="{FF2B5EF4-FFF2-40B4-BE49-F238E27FC236}">
-                <a16:creationId xmlns:a16="http://schemas.microsoft.com/office/drawing/2014/main" id="{6EE6E6B8-313A-2241-8CC5-49267A1B1639}"/>
-              </a:ext>
-            </a:extLst>
-          </p:cNvPr>
-          <p:cNvSpPr>
-            <a:spLocks noGrp="1"/>
-          </p:cNvSpPr>
-          <p:nvPr>
-            <p:ph idx="1"/>
-          </p:nvPr>
-        </p:nvSpPr>
-        <p:spPr/>
-        <p:txBody>
-          <a:bodyPr/>
-          <a:lstStyle/>
-          <a:p>
-            <a:r>
               <a:rPr lang="tr-TR" b="0" i="0" dirty="0">
-                <a:effectLst/>
-                <a:latin typeface="Georgia" panose="02040502050405020303" pitchFamily="18" charset="0"/>
-              </a:rPr>
-              <a:t>Emir komuta sistemine sahip ordu modelini yazılımsal olarak inşa edelim ve üst rütbelerden gelen emirleri tüm seviyelerdeki askerlere iletelim.</a:t>
+                <a:solidFill>
+                  <a:srgbClr val="242424"/>
+                </a:solidFill>
+                <a:effectLst/>
+                <a:latin typeface="source-serif-pro"/>
+              </a:rPr>
+              <a:t>Uçağa binmeden önce valizinizin toplam kütlesini bulmak için uygulayabileceğimiz yöntemlerden biri valizi </a:t>
+            </a:r>
+            <a:r>
+              <a:rPr lang="tr-TR" b="1" i="0" dirty="0">
+                <a:solidFill>
+                  <a:srgbClr val="242424"/>
+                </a:solidFill>
+                <a:effectLst/>
+                <a:latin typeface="source-serif-pro"/>
+              </a:rPr>
+              <a:t>direkt olarak tartıya koymaktır</a:t>
+            </a:r>
+            <a:r>
+              <a:rPr lang="tr-TR" b="0" i="0" dirty="0">
+                <a:solidFill>
+                  <a:srgbClr val="242424"/>
+                </a:solidFill>
+                <a:effectLst/>
+                <a:latin typeface="source-serif-pro"/>
+              </a:rPr>
+              <a:t>. Bir diğeri ise valizin içindeki her bir kıyafeti, eşyayı vb. </a:t>
+            </a:r>
+            <a:r>
+              <a:rPr lang="tr-TR" b="1" i="0" dirty="0">
+                <a:solidFill>
+                  <a:srgbClr val="242424"/>
+                </a:solidFill>
+                <a:effectLst/>
+                <a:latin typeface="source-serif-pro"/>
+              </a:rPr>
+              <a:t>ayrı ayrı tartmak </a:t>
+            </a:r>
+            <a:r>
+              <a:rPr lang="tr-TR" b="0" i="0" dirty="0">
+                <a:solidFill>
+                  <a:srgbClr val="242424"/>
+                </a:solidFill>
+                <a:effectLst/>
+                <a:latin typeface="source-serif-pro"/>
+              </a:rPr>
+              <a:t>ve kütlelerini toplamaktır. Daha sonrasında elde edilen toplamı valizin boş kütlesi ile toplayarak valizin dolu kütlesi hesaplanabilir. Her iki sonuç da aynı olacaktır ancak iş yükü olarak valizi dolu bir şekilde tek seferde tartmak elbette ki en mantıklı yoldur. Aynı şekilde, istemcinin alt parçalar ile ayrı ayrı ilgilenmesindense hepsiyle </a:t>
+            </a:r>
+            <a:r>
+              <a:rPr lang="tr-TR" b="1" i="0" dirty="0">
+                <a:solidFill>
+                  <a:srgbClr val="242424"/>
+                </a:solidFill>
+                <a:effectLst/>
+                <a:latin typeface="source-serif-pro"/>
+              </a:rPr>
+              <a:t>bir bütün olarak ilgilenmesi </a:t>
+            </a:r>
+            <a:r>
+              <a:rPr lang="tr-TR" b="0" i="0" dirty="0">
+                <a:solidFill>
+                  <a:srgbClr val="242424"/>
+                </a:solidFill>
+                <a:effectLst/>
+                <a:latin typeface="source-serif-pro"/>
+              </a:rPr>
+              <a:t>daha rahat olacaktır. Benzer mantıktan dolayı, bu tasarım deseni aynı zamanda </a:t>
+            </a:r>
+            <a:r>
+              <a:rPr lang="tr-TR" b="1" i="0" dirty="0">
+                <a:solidFill>
+                  <a:srgbClr val="242424"/>
+                </a:solidFill>
+                <a:effectLst/>
+                <a:latin typeface="source-serif-pro"/>
+              </a:rPr>
+              <a:t>ağaç </a:t>
+            </a:r>
+            <a:r>
+              <a:rPr lang="tr-TR" b="0" i="0" dirty="0">
+                <a:solidFill>
+                  <a:srgbClr val="242424"/>
+                </a:solidFill>
+                <a:effectLst/>
+                <a:latin typeface="source-serif-pro"/>
+              </a:rPr>
+              <a:t>yapısına da benzetilmektedir. Bir ağacın dalları ve yaprakları da </a:t>
+            </a:r>
+            <a:r>
+              <a:rPr lang="tr-TR" b="1" i="0" dirty="0">
+                <a:solidFill>
+                  <a:srgbClr val="242424"/>
+                </a:solidFill>
+                <a:effectLst/>
+                <a:latin typeface="source-serif-pro"/>
+              </a:rPr>
+              <a:t>parça-bütün</a:t>
+            </a:r>
+            <a:r>
+              <a:rPr lang="tr-TR" b="0" i="0" dirty="0">
+                <a:solidFill>
+                  <a:srgbClr val="242424"/>
+                </a:solidFill>
+                <a:effectLst/>
+                <a:latin typeface="source-serif-pro"/>
+              </a:rPr>
+              <a:t> ilişkisine güzel bir örnek olacaktır.</a:t>
             </a:r>
             <a:endParaRPr lang="tr-TR" dirty="0"/>
           </a:p>
@@ -6579,7 +6663,7 @@
     </p:spTree>
     <p:extLst>
       <p:ext uri="{BB962C8B-B14F-4D97-AF65-F5344CB8AC3E}">
-        <p14:creationId xmlns:p14="http://schemas.microsoft.com/office/powerpoint/2010/main" val="4230915521"/>
+        <p14:creationId xmlns:p14="http://schemas.microsoft.com/office/powerpoint/2010/main" val="2598116729"/>
       </p:ext>
     </p:extLst>
   </p:cSld>
@@ -6608,10 +6692,10 @@
       </p:grpSpPr>
       <p:pic>
         <p:nvPicPr>
-          <p:cNvPr id="4" name="İçerik Yer Tutucusu 3">
+          <p:cNvPr id="7" name="İçerik Yer Tutucusu 6">
             <a:extLst>
               <a:ext uri="{FF2B5EF4-FFF2-40B4-BE49-F238E27FC236}">
-                <a16:creationId xmlns:a16="http://schemas.microsoft.com/office/drawing/2014/main" id="{6B4C8C53-F712-3F75-0AD9-394A7EAD893A}"/>
+                <a16:creationId xmlns:a16="http://schemas.microsoft.com/office/drawing/2014/main" id="{725CEF66-9F6F-16E8-51F2-D725B913ACD6}"/>
               </a:ext>
             </a:extLst>
           </p:cNvPr>
@@ -6630,20 +6714,17 @@
         </p:blipFill>
         <p:spPr>
           <a:xfrm>
-            <a:off x="514541" y="1747603"/>
-            <a:ext cx="6144482" cy="3362794"/>
-          </a:xfrm>
-          <a:prstGeom prst="rect">
-            <a:avLst/>
-          </a:prstGeom>
+            <a:off x="100586" y="1734137"/>
+            <a:ext cx="5820630" cy="4807978"/>
+          </a:xfrm>
         </p:spPr>
       </p:pic>
       <p:pic>
         <p:nvPicPr>
-          <p:cNvPr id="6" name="Resim 5">
+          <p:cNvPr id="5" name="Resim 4">
             <a:extLst>
               <a:ext uri="{FF2B5EF4-FFF2-40B4-BE49-F238E27FC236}">
-                <a16:creationId xmlns:a16="http://schemas.microsoft.com/office/drawing/2014/main" id="{461F5941-A35D-3FF2-D648-3B8B550A3FEB}"/>
+                <a16:creationId xmlns:a16="http://schemas.microsoft.com/office/drawing/2014/main" id="{43B5FACC-B021-60A8-52C3-15C5B7D12945}"/>
               </a:ext>
             </a:extLst>
           </p:cNvPr>
@@ -6660,8 +6741,38 @@
         </p:blipFill>
         <p:spPr>
           <a:xfrm>
-            <a:off x="7772825" y="2357288"/>
-            <a:ext cx="3458058" cy="2143424"/>
+            <a:off x="4943093" y="501202"/>
+            <a:ext cx="2143424" cy="790685"/>
+          </a:xfrm>
+          <a:prstGeom prst="rect">
+            <a:avLst/>
+          </a:prstGeom>
+        </p:spPr>
+      </p:pic>
+      <p:pic>
+        <p:nvPicPr>
+          <p:cNvPr id="9" name="Resim 8">
+            <a:extLst>
+              <a:ext uri="{FF2B5EF4-FFF2-40B4-BE49-F238E27FC236}">
+                <a16:creationId xmlns:a16="http://schemas.microsoft.com/office/drawing/2014/main" id="{13E31CE7-EF20-6237-F304-435E848C447B}"/>
+              </a:ext>
+            </a:extLst>
+          </p:cNvPr>
+          <p:cNvPicPr>
+            <a:picLocks noChangeAspect="1"/>
+          </p:cNvPicPr>
+          <p:nvPr/>
+        </p:nvPicPr>
+        <p:blipFill>
+          <a:blip r:embed="rId4"/>
+          <a:stretch>
+            <a:fillRect/>
+          </a:stretch>
+        </p:blipFill>
+        <p:spPr>
+          <a:xfrm>
+            <a:off x="6096000" y="1734137"/>
+            <a:ext cx="5989176" cy="4807978"/>
           </a:xfrm>
           <a:prstGeom prst="rect">
             <a:avLst/>
@@ -6671,7 +6782,7 @@
     </p:spTree>
     <p:extLst>
       <p:ext uri="{BB962C8B-B14F-4D97-AF65-F5344CB8AC3E}">
-        <p14:creationId xmlns:p14="http://schemas.microsoft.com/office/powerpoint/2010/main" val="2386007444"/>
+        <p14:creationId xmlns:p14="http://schemas.microsoft.com/office/powerpoint/2010/main" val="618450098"/>
       </p:ext>
     </p:extLst>
   </p:cSld>
@@ -6698,21 +6809,123 @@
           <a:chExt cx="0" cy="0"/>
         </a:xfrm>
       </p:grpSpPr>
+      <p:sp>
+        <p:nvSpPr>
+          <p:cNvPr id="3" name="İçerik Yer Tutucusu 2">
+            <a:extLst>
+              <a:ext uri="{FF2B5EF4-FFF2-40B4-BE49-F238E27FC236}">
+                <a16:creationId xmlns:a16="http://schemas.microsoft.com/office/drawing/2014/main" id="{E4968D6A-70B2-86B4-7538-4AF03E90A852}"/>
+              </a:ext>
+            </a:extLst>
+          </p:cNvPr>
+          <p:cNvSpPr>
+            <a:spLocks noGrp="1"/>
+          </p:cNvSpPr>
+          <p:nvPr>
+            <p:ph idx="1"/>
+          </p:nvPr>
+        </p:nvSpPr>
+        <p:spPr>
+          <a:xfrm>
+            <a:off x="840650" y="1703692"/>
+            <a:ext cx="3787333" cy="3450613"/>
+          </a:xfrm>
+        </p:spPr>
+        <p:txBody>
+          <a:bodyPr>
+            <a:normAutofit lnSpcReduction="10000"/>
+          </a:bodyPr>
+          <a:lstStyle/>
+          <a:p>
+            <a:r>
+              <a:rPr lang="tr-TR" b="0" i="0" dirty="0">
+                <a:solidFill>
+                  <a:srgbClr val="242424"/>
+                </a:solidFill>
+                <a:effectLst/>
+                <a:latin typeface="source-serif-pro"/>
+              </a:rPr>
+              <a:t>Artık bu sınıflardan üretilecek olan film nesnelerini içerecek (barındıracak, kapsayacak) olan bir sınıf yazmamız gerekmektedir. </a:t>
+            </a:r>
+          </a:p>
+          <a:p>
+            <a:r>
+              <a:rPr lang="tr-TR" b="0" i="0" dirty="0">
+                <a:solidFill>
+                  <a:srgbClr val="242424"/>
+                </a:solidFill>
+                <a:effectLst/>
+                <a:latin typeface="source-serif-pro"/>
+              </a:rPr>
+              <a:t>Diğer nesneleri içermesinden dolayı, gelenek olarak bu sınıflara </a:t>
+            </a:r>
+            <a:r>
+              <a:rPr lang="tr-TR" b="1" i="0" dirty="0" err="1">
+                <a:solidFill>
+                  <a:srgbClr val="242424"/>
+                </a:solidFill>
+                <a:effectLst/>
+                <a:latin typeface="source-serif-pro"/>
+              </a:rPr>
+              <a:t>XContainer</a:t>
+            </a:r>
+            <a:r>
+              <a:rPr lang="tr-TR" b="1" i="0" dirty="0">
+                <a:solidFill>
+                  <a:srgbClr val="242424"/>
+                </a:solidFill>
+                <a:effectLst/>
+                <a:latin typeface="source-serif-pro"/>
+              </a:rPr>
+              <a:t>, </a:t>
+            </a:r>
+            <a:r>
+              <a:rPr lang="tr-TR" b="1" i="0" dirty="0" err="1">
+                <a:solidFill>
+                  <a:srgbClr val="242424"/>
+                </a:solidFill>
+                <a:effectLst/>
+                <a:latin typeface="source-serif-pro"/>
+              </a:rPr>
+              <a:t>HeadY</a:t>
+            </a:r>
+            <a:r>
+              <a:rPr lang="tr-TR" b="1" i="0" dirty="0">
+                <a:solidFill>
+                  <a:srgbClr val="242424"/>
+                </a:solidFill>
+                <a:effectLst/>
+                <a:latin typeface="source-serif-pro"/>
+              </a:rPr>
+              <a:t> </a:t>
+            </a:r>
+            <a:r>
+              <a:rPr lang="tr-TR" b="0" i="0" dirty="0">
+                <a:solidFill>
+                  <a:srgbClr val="242424"/>
+                </a:solidFill>
+                <a:effectLst/>
+                <a:latin typeface="source-serif-pro"/>
+              </a:rPr>
+              <a:t>gibi isimler verilmektedir. </a:t>
+            </a:r>
+            <a:endParaRPr lang="tr-TR" dirty="0"/>
+          </a:p>
+        </p:txBody>
+      </p:sp>
       <p:pic>
         <p:nvPicPr>
-          <p:cNvPr id="4" name="İçerik Yer Tutucusu 3">
+          <p:cNvPr id="5" name="Resim 4">
             <a:extLst>
               <a:ext uri="{FF2B5EF4-FFF2-40B4-BE49-F238E27FC236}">
-                <a16:creationId xmlns:a16="http://schemas.microsoft.com/office/drawing/2014/main" id="{F1CC3F1D-2190-CDF3-E206-814E3DD67544}"/>
+                <a16:creationId xmlns:a16="http://schemas.microsoft.com/office/drawing/2014/main" id="{6FDF48D1-A785-F4B7-E4C7-6CD9019EF454}"/>
               </a:ext>
             </a:extLst>
           </p:cNvPr>
           <p:cNvPicPr>
-            <a:picLocks noGrp="1" noChangeAspect="1"/>
+            <a:picLocks noChangeAspect="1"/>
           </p:cNvPicPr>
-          <p:nvPr>
-            <p:ph idx="1"/>
-          </p:nvPr>
+          <p:nvPr/>
         </p:nvPicPr>
         <p:blipFill>
           <a:blip r:embed="rId2"/>
@@ -6722,8 +6935,8 @@
         </p:blipFill>
         <p:spPr>
           <a:xfrm>
-            <a:off x="587687" y="1390973"/>
-            <a:ext cx="7399316" cy="4258533"/>
+            <a:off x="5607698" y="564813"/>
+            <a:ext cx="6294916" cy="5728373"/>
           </a:xfrm>
           <a:prstGeom prst="rect">
             <a:avLst/>
@@ -6733,7 +6946,188 @@
     </p:spTree>
     <p:extLst>
       <p:ext uri="{BB962C8B-B14F-4D97-AF65-F5344CB8AC3E}">
-        <p14:creationId xmlns:p14="http://schemas.microsoft.com/office/powerpoint/2010/main" val="2607072274"/>
+        <p14:creationId xmlns:p14="http://schemas.microsoft.com/office/powerpoint/2010/main" val="1322510728"/>
+      </p:ext>
+    </p:extLst>
+  </p:cSld>
+  <p:clrMapOvr>
+    <a:masterClrMapping/>
+  </p:clrMapOvr>
+</p:sld>
+</file>
+
+<file path=ppt/slides/slide27.xml><?xml version="1.0" encoding="utf-8"?>
+<p:sld xmlns:a="http://schemas.openxmlformats.org/drawingml/2006/main" xmlns:r="http://schemas.openxmlformats.org/officeDocument/2006/relationships" xmlns:p="http://schemas.openxmlformats.org/presentationml/2006/main" showMasterSp="0">
+  <p:cSld>
+    <p:spTree>
+      <p:nvGrpSpPr>
+        <p:cNvPr id="1" name=""/>
+        <p:cNvGrpSpPr/>
+        <p:nvPr/>
+      </p:nvGrpSpPr>
+      <p:grpSpPr>
+        <a:xfrm>
+          <a:off x="0" y="0"/>
+          <a:ext cx="0" cy="0"/>
+          <a:chOff x="0" y="0"/>
+          <a:chExt cx="0" cy="0"/>
+        </a:xfrm>
+      </p:grpSpPr>
+      <p:sp>
+        <p:nvSpPr>
+          <p:cNvPr id="2" name="Başlık 1">
+            <a:extLst>
+              <a:ext uri="{FF2B5EF4-FFF2-40B4-BE49-F238E27FC236}">
+                <a16:creationId xmlns:a16="http://schemas.microsoft.com/office/drawing/2014/main" id="{5315594F-F8AE-776B-517D-DD4BAC001B5B}"/>
+              </a:ext>
+            </a:extLst>
+          </p:cNvPr>
+          <p:cNvSpPr>
+            <a:spLocks noGrp="1"/>
+          </p:cNvSpPr>
+          <p:nvPr>
+            <p:ph type="title"/>
+          </p:nvPr>
+        </p:nvSpPr>
+        <p:spPr/>
+        <p:txBody>
+          <a:bodyPr/>
+          <a:lstStyle/>
+          <a:p>
+            <a:r>
+              <a:rPr lang="tr-TR" dirty="0"/>
+              <a:t>Nesne üretelim</a:t>
+            </a:r>
+          </a:p>
+        </p:txBody>
+      </p:sp>
+      <p:pic>
+        <p:nvPicPr>
+          <p:cNvPr id="5" name="İçerik Yer Tutucusu 4">
+            <a:extLst>
+              <a:ext uri="{FF2B5EF4-FFF2-40B4-BE49-F238E27FC236}">
+                <a16:creationId xmlns:a16="http://schemas.microsoft.com/office/drawing/2014/main" id="{0216653E-59CE-B2B8-ABE7-B7184F7D85C8}"/>
+              </a:ext>
+            </a:extLst>
+          </p:cNvPr>
+          <p:cNvPicPr>
+            <a:picLocks noGrp="1" noChangeAspect="1"/>
+          </p:cNvPicPr>
+          <p:nvPr>
+            <p:ph idx="1"/>
+          </p:nvPr>
+        </p:nvPicPr>
+        <p:blipFill>
+          <a:blip r:embed="rId2"/>
+          <a:stretch>
+            <a:fillRect/>
+          </a:stretch>
+        </p:blipFill>
+        <p:spPr>
+          <a:xfrm>
+            <a:off x="2515638" y="1669896"/>
+            <a:ext cx="7160723" cy="4592012"/>
+          </a:xfrm>
+        </p:spPr>
+      </p:pic>
+    </p:spTree>
+    <p:extLst>
+      <p:ext uri="{BB962C8B-B14F-4D97-AF65-F5344CB8AC3E}">
+        <p14:creationId xmlns:p14="http://schemas.microsoft.com/office/powerpoint/2010/main" val="568972927"/>
+      </p:ext>
+    </p:extLst>
+  </p:cSld>
+  <p:clrMapOvr>
+    <a:masterClrMapping/>
+  </p:clrMapOvr>
+</p:sld>
+</file>
+
+<file path=ppt/slides/slide28.xml><?xml version="1.0" encoding="utf-8"?>
+<p:sld xmlns:a="http://schemas.openxmlformats.org/drawingml/2006/main" xmlns:r="http://schemas.openxmlformats.org/officeDocument/2006/relationships" xmlns:p="http://schemas.openxmlformats.org/presentationml/2006/main">
+  <p:cSld>
+    <p:spTree>
+      <p:nvGrpSpPr>
+        <p:cNvPr id="1" name=""/>
+        <p:cNvGrpSpPr/>
+        <p:nvPr/>
+      </p:nvGrpSpPr>
+      <p:grpSpPr>
+        <a:xfrm>
+          <a:off x="0" y="0"/>
+          <a:ext cx="0" cy="0"/>
+          <a:chOff x="0" y="0"/>
+          <a:chExt cx="0" cy="0"/>
+        </a:xfrm>
+      </p:grpSpPr>
+      <p:sp>
+        <p:nvSpPr>
+          <p:cNvPr id="2" name="Başlık 1">
+            <a:extLst>
+              <a:ext uri="{FF2B5EF4-FFF2-40B4-BE49-F238E27FC236}">
+                <a16:creationId xmlns:a16="http://schemas.microsoft.com/office/drawing/2014/main" id="{9703D554-DD1B-F924-8181-CA1BC95A56FD}"/>
+              </a:ext>
+            </a:extLst>
+          </p:cNvPr>
+          <p:cNvSpPr>
+            <a:spLocks noGrp="1"/>
+          </p:cNvSpPr>
+          <p:nvPr>
+            <p:ph type="title"/>
+          </p:nvPr>
+        </p:nvSpPr>
+        <p:spPr/>
+        <p:txBody>
+          <a:bodyPr/>
+          <a:lstStyle/>
+          <a:p>
+            <a:r>
+              <a:rPr lang="tr-TR" dirty="0" err="1"/>
+              <a:t>observer</a:t>
+            </a:r>
+            <a:endParaRPr lang="tr-TR" dirty="0"/>
+          </a:p>
+        </p:txBody>
+      </p:sp>
+      <p:sp>
+        <p:nvSpPr>
+          <p:cNvPr id="3" name="İçerik Yer Tutucusu 2">
+            <a:extLst>
+              <a:ext uri="{FF2B5EF4-FFF2-40B4-BE49-F238E27FC236}">
+                <a16:creationId xmlns:a16="http://schemas.microsoft.com/office/drawing/2014/main" id="{DF660721-0893-5673-6A0F-D37B45122977}"/>
+              </a:ext>
+            </a:extLst>
+          </p:cNvPr>
+          <p:cNvSpPr>
+            <a:spLocks noGrp="1"/>
+          </p:cNvSpPr>
+          <p:nvPr>
+            <p:ph idx="1"/>
+          </p:nvPr>
+        </p:nvSpPr>
+        <p:spPr/>
+        <p:txBody>
+          <a:bodyPr/>
+          <a:lstStyle/>
+          <a:p>
+            <a:r>
+              <a:rPr lang="tr-TR" b="0" i="0" dirty="0">
+                <a:solidFill>
+                  <a:srgbClr val="4D5156"/>
+                </a:solidFill>
+                <a:effectLst/>
+                <a:latin typeface="arial" panose="020B0604020202020204" pitchFamily="34" charset="0"/>
+              </a:rPr>
+              <a:t>Yazılım tasarımı ve mühendisliğinde, gözlemci modeli, özne olarak adlandırılan bir nesnenin, gözlemci adı verilen bağımlılarının bir listesini tuttuğu ve genellikle yöntemlerinden birini çağırarak herhangi bir durum değişikliğini onlara otomatik olarak bildirdiği bir yazılım tasarım modelidir.</a:t>
+            </a:r>
+            <a:endParaRPr lang="tr-TR" dirty="0"/>
+          </a:p>
+        </p:txBody>
+      </p:sp>
+    </p:spTree>
+    <p:extLst>
+      <p:ext uri="{BB962C8B-B14F-4D97-AF65-F5344CB8AC3E}">
+        <p14:creationId xmlns:p14="http://schemas.microsoft.com/office/powerpoint/2010/main" val="2165502784"/>
       </p:ext>
     </p:extLst>
   </p:cSld>
